--- a/2016/lecture/APSA-13-LibCG.pptx
+++ b/2016/lecture/APSA-13-LibCG.pptx
@@ -248,7 +248,7 @@
           <a:p>
             <a:fld id="{50687C80-72A1-46C4-B8EA-9DA17283E2E5}" type="datetimeFigureOut">
               <a:rPr lang="en-US" smtClean="0"/>
-              <a:t>7/7/2016</a:t>
+              <a:t>7/11/2016</a:t>
             </a:fld>
             <a:endParaRPr lang="en-US"/>
           </a:p>
@@ -4264,144 +4264,6 @@
           </a:extLst>
         </p:spPr>
       </p:pic>
-      <p:sp>
-        <p:nvSpPr>
-          <p:cNvPr id="2" name="Titel 1"/>
-          <p:cNvSpPr>
-            <a:spLocks noGrp="1"/>
-          </p:cNvSpPr>
-          <p:nvPr>
-            <p:ph type="ctrTitle"/>
-          </p:nvPr>
-        </p:nvSpPr>
-        <p:spPr>
-          <a:xfrm>
-            <a:off x="1143000" y="2060972"/>
-            <a:ext cx="6858000" cy="1790700"/>
-          </a:xfrm>
-        </p:spPr>
-        <p:txBody>
-          <a:bodyPr>
-            <a:normAutofit fontScale="90000"/>
-          </a:bodyPr>
-          <a:lstStyle/>
-          <a:p>
-            <a:r>
-              <a:rPr lang="en-US" dirty="0" smtClean="0">
-                <a:latin typeface="Charter" panose="02000503060000020004" pitchFamily="2" charset="0"/>
-              </a:rPr>
-              <a:t>Call Graph Construction for Java Libraries</a:t>
-            </a:r>
-            <a:br>
-              <a:rPr lang="en-US" dirty="0" smtClean="0">
-                <a:latin typeface="Charter" panose="02000503060000020004" pitchFamily="2" charset="0"/>
-              </a:rPr>
-            </a:br>
-            <a:r>
-              <a:rPr lang="en-US" dirty="0" smtClean="0">
-                <a:latin typeface="Charter" panose="02000503060000020004" pitchFamily="2" charset="0"/>
-              </a:rPr>
-              <a:t/>
-            </a:r>
-            <a:br>
-              <a:rPr lang="en-US" dirty="0" smtClean="0">
-                <a:latin typeface="Charter" panose="02000503060000020004" pitchFamily="2" charset="0"/>
-              </a:rPr>
-            </a:br>
-            <a:r>
-              <a:rPr lang="en-US" sz="2925" dirty="0"/>
-              <a:t>Applied Static Analysis 2016</a:t>
-            </a:r>
-          </a:p>
-        </p:txBody>
-      </p:sp>
-      <p:sp>
-        <p:nvSpPr>
-          <p:cNvPr id="3" name="Untertitel 2"/>
-          <p:cNvSpPr>
-            <a:spLocks noGrp="1"/>
-          </p:cNvSpPr>
-          <p:nvPr>
-            <p:ph type="subTitle" idx="1"/>
-          </p:nvPr>
-        </p:nvSpPr>
-        <p:spPr>
-          <a:xfrm>
-            <a:off x="1143000" y="4015978"/>
-            <a:ext cx="6858000" cy="1241822"/>
-          </a:xfrm>
-        </p:spPr>
-        <p:txBody>
-          <a:bodyPr>
-            <a:normAutofit fontScale="85000" lnSpcReduction="20000"/>
-          </a:bodyPr>
-          <a:lstStyle/>
-          <a:p>
-            <a:endParaRPr lang="en-US" dirty="0" smtClean="0"/>
-          </a:p>
-          <a:p>
-            <a:r>
-              <a:rPr lang="en-US" b="1" dirty="0" smtClean="0">
-                <a:latin typeface="Charter" panose="02000503060000020004" pitchFamily="2" charset="0"/>
-              </a:rPr>
-              <a:t>Michael Reif</a:t>
-            </a:r>
-          </a:p>
-          <a:p>
-            <a:r>
-              <a:rPr lang="en-US" dirty="0" smtClean="0">
-                <a:latin typeface="Charter" panose="02000503060000020004" pitchFamily="2" charset="0"/>
-              </a:rPr>
-              <a:t>Dr. Michael </a:t>
-            </a:r>
-            <a:r>
-              <a:rPr lang="en-US" dirty="0" err="1" smtClean="0">
-                <a:latin typeface="Charter" panose="02000503060000020004" pitchFamily="2" charset="0"/>
-              </a:rPr>
-              <a:t>Eichberg</a:t>
-            </a:r>
-            <a:r>
-              <a:rPr lang="en-US" dirty="0" smtClean="0">
-                <a:latin typeface="Charter" panose="02000503060000020004" pitchFamily="2" charset="0"/>
-              </a:rPr>
-              <a:t>, Ben Hermann</a:t>
-            </a:r>
-            <a:r>
-              <a:rPr lang="en-US" dirty="0" smtClean="0">
-                <a:latin typeface="Charter" panose="02000503060000020004" pitchFamily="2" charset="0"/>
-              </a:rPr>
-              <a:t>, Johannes </a:t>
-            </a:r>
-            <a:r>
-              <a:rPr lang="en-US" dirty="0" err="1" smtClean="0">
-                <a:latin typeface="Charter" panose="02000503060000020004" pitchFamily="2" charset="0"/>
-              </a:rPr>
-              <a:t>Lerch</a:t>
-            </a:r>
-            <a:r>
-              <a:rPr lang="en-US" dirty="0" smtClean="0">
-                <a:latin typeface="Charter" panose="02000503060000020004" pitchFamily="2" charset="0"/>
-              </a:rPr>
-              <a:t>, </a:t>
-            </a:r>
-            <a:r>
-              <a:rPr lang="en-US" dirty="0" smtClean="0">
-                <a:latin typeface="Charter" panose="02000503060000020004" pitchFamily="2" charset="0"/>
-              </a:rPr>
-              <a:t>Karim Ali Ph.D., Sebastian </a:t>
-            </a:r>
-            <a:r>
-              <a:rPr lang="en-US" dirty="0" err="1" smtClean="0">
-                <a:latin typeface="Charter" panose="02000503060000020004" pitchFamily="2" charset="0"/>
-              </a:rPr>
-              <a:t>Proksch</a:t>
-            </a:r>
-            <a:endParaRPr lang="en-US" dirty="0">
-              <a:latin typeface="Charter" panose="02000503060000020004" pitchFamily="2" charset="0"/>
-            </a:endParaRPr>
-          </a:p>
-        </p:txBody>
-      </p:sp>
       <p:pic>
         <p:nvPicPr>
           <p:cNvPr id="1026" name="Picture 2" descr="TU Darmstadt Logo.svg"/>
@@ -4443,6 +4305,149 @@
           </a:extLst>
         </p:spPr>
       </p:pic>
+      <p:sp>
+        <p:nvSpPr>
+          <p:cNvPr id="2" name="Titel 1"/>
+          <p:cNvSpPr>
+            <a:spLocks noGrp="1"/>
+          </p:cNvSpPr>
+          <p:nvPr>
+            <p:ph type="ctrTitle"/>
+          </p:nvPr>
+        </p:nvSpPr>
+        <p:spPr>
+          <a:xfrm>
+            <a:off x="1143000" y="2060972"/>
+            <a:ext cx="6858000" cy="1790700"/>
+          </a:xfrm>
+        </p:spPr>
+        <p:txBody>
+          <a:bodyPr>
+            <a:normAutofit fontScale="90000"/>
+          </a:bodyPr>
+          <a:lstStyle/>
+          <a:p>
+            <a:r>
+              <a:rPr lang="en-US" dirty="0" smtClean="0">
+                <a:latin typeface="Charter" panose="02000503060000020004" pitchFamily="2" charset="0"/>
+              </a:rPr>
+              <a:t>Call Graph Construction for Java Libraries</a:t>
+            </a:r>
+            <a:br>
+              <a:rPr lang="en-US" dirty="0" smtClean="0">
+                <a:latin typeface="Charter" panose="02000503060000020004" pitchFamily="2" charset="0"/>
+              </a:rPr>
+            </a:br>
+            <a:r>
+              <a:rPr lang="en-US" dirty="0" smtClean="0">
+                <a:latin typeface="Charter" panose="02000503060000020004" pitchFamily="2" charset="0"/>
+              </a:rPr>
+              <a:t/>
+            </a:r>
+            <a:br>
+              <a:rPr lang="en-US" dirty="0" smtClean="0">
+                <a:latin typeface="Charter" panose="02000503060000020004" pitchFamily="2" charset="0"/>
+              </a:rPr>
+            </a:br>
+            <a:r>
+              <a:rPr lang="en-US" sz="2925" dirty="0"/>
+              <a:t>Applied Static Analysis 2016</a:t>
+            </a:r>
+          </a:p>
+        </p:txBody>
+      </p:sp>
+      <p:sp>
+        <p:nvSpPr>
+          <p:cNvPr id="3" name="Untertitel 2"/>
+          <p:cNvSpPr>
+            <a:spLocks noGrp="1"/>
+          </p:cNvSpPr>
+          <p:nvPr>
+            <p:ph type="subTitle" idx="1"/>
+          </p:nvPr>
+        </p:nvSpPr>
+        <p:spPr>
+          <a:xfrm>
+            <a:off x="1143000" y="4015978"/>
+            <a:ext cx="6858000" cy="1241822"/>
+          </a:xfrm>
+        </p:spPr>
+        <p:txBody>
+          <a:bodyPr>
+            <a:normAutofit fontScale="92500" lnSpcReduction="10000"/>
+          </a:bodyPr>
+          <a:lstStyle/>
+          <a:p>
+            <a:r>
+              <a:rPr lang="en-US" b="1" dirty="0" smtClean="0">
+                <a:latin typeface="Charter" panose="02000503060000020004" pitchFamily="2" charset="0"/>
+              </a:rPr>
+              <a:t>Michael </a:t>
+            </a:r>
+            <a:r>
+              <a:rPr lang="en-US" b="1" dirty="0" smtClean="0">
+                <a:latin typeface="Charter" panose="02000503060000020004" pitchFamily="2" charset="0"/>
+              </a:rPr>
+              <a:t>Reif</a:t>
+            </a:r>
+          </a:p>
+          <a:p>
+            <a:r>
+              <a:rPr lang="en-US" dirty="0" smtClean="0">
+                <a:latin typeface="Charter" panose="02000503060000020004" pitchFamily="2" charset="0"/>
+              </a:rPr>
+              <a:t>Dr. Michael </a:t>
+            </a:r>
+            <a:r>
+              <a:rPr lang="en-US" dirty="0" err="1" smtClean="0">
+                <a:latin typeface="Charter" panose="02000503060000020004" pitchFamily="2" charset="0"/>
+              </a:rPr>
+              <a:t>Eichberg</a:t>
+            </a:r>
+            <a:r>
+              <a:rPr lang="en-US" dirty="0" smtClean="0">
+                <a:latin typeface="Charter" panose="02000503060000020004" pitchFamily="2" charset="0"/>
+              </a:rPr>
+              <a:t>, Ben Hermann, Johannes </a:t>
+            </a:r>
+            <a:r>
+              <a:rPr lang="en-US" dirty="0" err="1" smtClean="0">
+                <a:latin typeface="Charter" panose="02000503060000020004" pitchFamily="2" charset="0"/>
+              </a:rPr>
+              <a:t>Lerch</a:t>
+            </a:r>
+            <a:r>
+              <a:rPr lang="en-US" dirty="0" smtClean="0">
+                <a:latin typeface="Charter" panose="02000503060000020004" pitchFamily="2" charset="0"/>
+              </a:rPr>
+              <a:t>,</a:t>
+            </a:r>
+          </a:p>
+          <a:p>
+            <a:r>
+              <a:rPr lang="en-US" dirty="0" smtClean="0">
+                <a:latin typeface="Charter" panose="02000503060000020004" pitchFamily="2" charset="0"/>
+              </a:rPr>
+              <a:t>Karim </a:t>
+            </a:r>
+            <a:r>
+              <a:rPr lang="en-US" dirty="0" smtClean="0">
+                <a:latin typeface="Charter" panose="02000503060000020004" pitchFamily="2" charset="0"/>
+              </a:rPr>
+              <a:t>Ali Ph.D., Sebastian </a:t>
+            </a:r>
+            <a:r>
+              <a:rPr lang="en-US" dirty="0" err="1" smtClean="0">
+                <a:latin typeface="Charter" panose="02000503060000020004" pitchFamily="2" charset="0"/>
+              </a:rPr>
+              <a:t>Proksch</a:t>
+            </a:r>
+            <a:endParaRPr lang="en-US" dirty="0">
+              <a:latin typeface="Charter" panose="02000503060000020004" pitchFamily="2" charset="0"/>
+            </a:endParaRPr>
+          </a:p>
+        </p:txBody>
+      </p:sp>
     </p:spTree>
     <p:extLst>
       <p:ext uri="{BB962C8B-B14F-4D97-AF65-F5344CB8AC3E}">
@@ -8141,7 +8146,7 @@
         </p:nvSpPr>
         <p:spPr>
           <a:xfrm>
-            <a:off x="5432213" y="5140960"/>
+            <a:off x="5264998" y="5140960"/>
             <a:ext cx="2221652" cy="612648"/>
           </a:xfrm>
           <a:prstGeom prst="wedgeRectCallout">
@@ -9429,19 +9434,7 @@
               <a:rPr lang="en-US" dirty="0" smtClean="0">
                 <a:latin typeface="Charter" panose="02000503060000020004" pitchFamily="2" charset="0"/>
               </a:rPr>
-              <a:t>But attackers want to </a:t>
-            </a:r>
-            <a:r>
-              <a:rPr lang="en-US" dirty="0" smtClean="0">
-                <a:latin typeface="Charter" panose="02000503060000020004" pitchFamily="2" charset="0"/>
-              </a:rPr>
-              <a:t>create dependencies within the </a:t>
-            </a:r>
-            <a:r>
-              <a:rPr lang="en-US" dirty="0" smtClean="0">
-                <a:latin typeface="Charter" panose="02000503060000020004" pitchFamily="2" charset="0"/>
-              </a:rPr>
-              <a:t>libraries if it enables exploitation</a:t>
+              <a:t>But attackers want to create dependencies within the libraries if it enables exploitation</a:t>
             </a:r>
             <a:endParaRPr lang="en-US" dirty="0">
               <a:latin typeface="Charter" panose="02000503060000020004" pitchFamily="2" charset="0"/>
@@ -11331,19 +11324,7 @@
               <a:rPr lang="en-US" dirty="0" smtClean="0">
                 <a:latin typeface="Charter" panose="02000503060000020004" pitchFamily="2" charset="0"/>
               </a:rPr>
-              <a:t>Developers really want to </a:t>
-            </a:r>
-            <a:r>
-              <a:rPr lang="en-US" dirty="0" smtClean="0">
-                <a:latin typeface="Charter" panose="02000503060000020004" pitchFamily="2" charset="0"/>
-              </a:rPr>
-              <a:t>write </a:t>
-            </a:r>
-            <a:r>
-              <a:rPr lang="en-US" dirty="0" smtClean="0">
-                <a:latin typeface="Charter" panose="02000503060000020004" pitchFamily="2" charset="0"/>
-              </a:rPr>
-              <a:t>code that is not accessed by an application…</a:t>
+              <a:t>Developers really want to write code that is not accessed by an application…</a:t>
             </a:r>
             <a:endParaRPr lang="en-US" dirty="0">
               <a:latin typeface="Charter" panose="02000503060000020004" pitchFamily="2" charset="0"/>
@@ -23579,13 +23560,7 @@
               <a:rPr lang="en-US" dirty="0" smtClean="0">
                 <a:latin typeface="Charter" panose="02000503060000020004" pitchFamily="2" charset="0"/>
               </a:rPr>
-              <a:t>Non-static methods can only be called if the declaring class is </a:t>
-            </a:r>
-            <a:r>
-              <a:rPr lang="en-US" dirty="0" smtClean="0">
-                <a:latin typeface="Charter" panose="02000503060000020004" pitchFamily="2" charset="0"/>
-              </a:rPr>
-              <a:t>instantiable</a:t>
+              <a:t>Non-static methods can only be called if the declaring class is instantiable</a:t>
             </a:r>
             <a:endParaRPr lang="en-US" dirty="0">
               <a:latin typeface="Charter" panose="02000503060000020004" pitchFamily="2" charset="0"/>
@@ -24274,10 +24249,22 @@
           <a:p>
             <a:pPr algn="ctr"/>
             <a:r>
+              <a:rPr lang="en-US" b="0" dirty="0">
+                <a:latin typeface="Charter" panose="02000503060000020004" pitchFamily="2" charset="0"/>
+              </a:rPr>
+              <a:t>n</a:t>
+            </a:r>
+            <a:r>
               <a:rPr lang="en-US" b="0" dirty="0" smtClean="0">
                 <a:latin typeface="Charter" panose="02000503060000020004" pitchFamily="2" charset="0"/>
               </a:rPr>
-              <a:t>Not instantiable</a:t>
+              <a:t>ot </a:t>
+            </a:r>
+            <a:r>
+              <a:rPr lang="en-US" b="0" dirty="0" smtClean="0">
+                <a:latin typeface="Charter" panose="02000503060000020004" pitchFamily="2" charset="0"/>
+              </a:rPr>
+              <a:t>instantiable</a:t>
             </a:r>
             <a:endParaRPr lang="en-US" dirty="0"/>
           </a:p>
@@ -26668,8 +26655,8 @@
               <a:t>Access of primitive constants does trigger the static </a:t>
             </a:r>
             <a:r>
-              <a:rPr lang="en-US" dirty="0" err="1" smtClean="0"/>
-              <a:t>intializer</a:t>
+              <a:rPr lang="en-US" dirty="0" smtClean="0"/>
+              <a:t>initializer</a:t>
             </a:r>
             <a:endParaRPr lang="en-US" dirty="0"/>
           </a:p>
@@ -29265,19 +29252,7 @@
               <a:rPr lang="en-US" dirty="0" smtClean="0">
                 <a:latin typeface="Charter" panose="02000503060000020004" pitchFamily="2" charset="0"/>
               </a:rPr>
-              <a:t>instance </a:t>
-            </a:r>
-            <a:r>
-              <a:rPr lang="en-US" dirty="0" smtClean="0">
-                <a:latin typeface="Charter" panose="02000503060000020004" pitchFamily="2" charset="0"/>
-              </a:rPr>
-              <a:t>methods can only be called if the declaring class is </a:t>
-            </a:r>
-            <a:r>
-              <a:rPr lang="en-US" dirty="0" smtClean="0">
-                <a:latin typeface="Charter" panose="02000503060000020004" pitchFamily="2" charset="0"/>
-              </a:rPr>
-              <a:t>instantiable</a:t>
+              <a:t>instance methods can only be called if the declaring class is instantiable</a:t>
             </a:r>
             <a:endParaRPr lang="en-US" dirty="0">
               <a:latin typeface="Charter" panose="02000503060000020004" pitchFamily="2" charset="0"/>
@@ -36483,19 +36458,19 @@
               <a:rPr lang="en-US" dirty="0">
                 <a:latin typeface="Charter" panose="02000503060000020004" pitchFamily="2" charset="0"/>
               </a:rPr>
-              <a:t>Collapse strongly-</a:t>
-            </a:r>
-            <a:r>
-              <a:rPr lang="en-US" dirty="0" err="1">
+              <a:t>Collapse </a:t>
+            </a:r>
+            <a:r>
+              <a:rPr lang="en-US" dirty="0" smtClean="0">
                 <a:latin typeface="Charter" panose="02000503060000020004" pitchFamily="2" charset="0"/>
               </a:rPr>
-              <a:t>conntected</a:t>
+              <a:t>strongly-connected </a:t>
             </a:r>
             <a:r>
               <a:rPr lang="en-US" dirty="0">
                 <a:latin typeface="Charter" panose="02000503060000020004" pitchFamily="2" charset="0"/>
               </a:rPr>
-              <a:t> components</a:t>
+              <a:t>components</a:t>
             </a:r>
           </a:p>
           <a:p>
@@ -40431,7 +40406,15 @@
             <a:pPr algn="ctr"/>
             <a:r>
               <a:rPr lang="en-US" dirty="0" smtClean="0"/>
-              <a:t>They call no method, but are entry points!</a:t>
+              <a:t>They call no </a:t>
+            </a:r>
+            <a:r>
+              <a:rPr lang="en-US" dirty="0" smtClean="0"/>
+              <a:t>methods, </a:t>
+            </a:r>
+            <a:r>
+              <a:rPr lang="en-US" dirty="0" smtClean="0"/>
+              <a:t>but are entry points!</a:t>
             </a:r>
             <a:endParaRPr lang="en-US" dirty="0"/>
           </a:p>
